--- a/Presentation/Anime_Recommender_PPT.pptx
+++ b/Presentation/Anime_Recommender_PPT.pptx
@@ -285,7 +285,7 @@
           <a:p>
             <a:fld id="{72EA7947-E287-4738-8C82-07CE4F01EF03}" type="datetime2">
               <a:rPr lang="en-US" smtClean="0"/>
-              <a:t>Tuesday, November 28, 2023</a:t>
+              <a:t>Thursday, January 2, 2025</a:t>
             </a:fld>
             <a:endParaRPr lang="en-US" dirty="0"/>
           </a:p>
@@ -1321,7 +1321,7 @@
           <a:p>
             <a:fld id="{EE2EBD84-71F4-4271-8C46-0D47C0A9B12E}" type="datetime2">
               <a:rPr lang="en-US" smtClean="0"/>
-              <a:t>Tuesday, November 28, 2023</a:t>
+              <a:t>Thursday, January 2, 2025</a:t>
             </a:fld>
             <a:endParaRPr lang="en-US"/>
           </a:p>
@@ -1532,7 +1532,7 @@
           <a:p>
             <a:fld id="{ABAE0CE1-F450-4107-B2CB-17B18F8A3F4A}" type="datetime2">
               <a:rPr lang="en-US" smtClean="0"/>
-              <a:t>Tuesday, November 28, 2023</a:t>
+              <a:t>Thursday, January 2, 2025</a:t>
             </a:fld>
             <a:endParaRPr lang="en-US"/>
           </a:p>
@@ -2197,7 +2197,7 @@
           <a:p>
             <a:fld id="{6FE8C025-CD7A-4966-867E-81CF82B15267}" type="datetime2">
               <a:rPr lang="en-US" smtClean="0"/>
-              <a:t>Tuesday, November 28, 2023</a:t>
+              <a:t>Thursday, January 2, 2025</a:t>
             </a:fld>
             <a:endParaRPr lang="en-US"/>
           </a:p>
@@ -2817,7 +2817,7 @@
           <a:p>
             <a:fld id="{FE809929-0719-4517-94D6-FDF7F99E70F6}" type="datetime2">
               <a:rPr lang="en-US" smtClean="0"/>
-              <a:t>Tuesday, November 28, 2023</a:t>
+              <a:t>Thursday, January 2, 2025</a:t>
             </a:fld>
             <a:endParaRPr lang="en-US"/>
           </a:p>
@@ -3935,7 +3935,7 @@
           <a:p>
             <a:fld id="{20E95673-5512-4AAA-9AEB-E00C61EC65D5}" type="datetime2">
               <a:rPr lang="en-US" smtClean="0"/>
-              <a:t>Tuesday, November 28, 2023</a:t>
+              <a:t>Thursday, January 2, 2025</a:t>
             </a:fld>
             <a:endParaRPr lang="en-US"/>
           </a:p>
@@ -4482,7 +4482,7 @@
           <a:p>
             <a:fld id="{C13138FA-2E87-4873-8BBA-13E447C9A99A}" type="datetime2">
               <a:rPr lang="en-US" smtClean="0"/>
-              <a:t>Tuesday, November 28, 2023</a:t>
+              <a:t>Thursday, January 2, 2025</a:t>
             </a:fld>
             <a:endParaRPr lang="en-US"/>
           </a:p>
@@ -4643,7 +4643,7 @@
           <a:p>
             <a:fld id="{D75BB40A-97BD-4BFB-B639-0BFF95FDE8B7}" type="datetime2">
               <a:rPr lang="en-US" smtClean="0"/>
-              <a:t>Tuesday, November 28, 2023</a:t>
+              <a:t>Thursday, January 2, 2025</a:t>
             </a:fld>
             <a:endParaRPr lang="en-US"/>
           </a:p>
@@ -5678,7 +5678,7 @@
           <a:p>
             <a:fld id="{9EE9E0E3-ECF6-4CFE-8698-AEFEBCECC3C0}" type="datetime2">
               <a:rPr lang="en-US" smtClean="0"/>
-              <a:t>Tuesday, November 28, 2023</a:t>
+              <a:t>Thursday, January 2, 2025</a:t>
             </a:fld>
             <a:endParaRPr lang="en-US"/>
           </a:p>
@@ -6324,7 +6324,7 @@
           <a:p>
             <a:fld id="{251462FC-960E-4740-921F-B36862979F21}" type="datetime2">
               <a:rPr lang="en-US" smtClean="0"/>
-              <a:t>Tuesday, November 28, 2023</a:t>
+              <a:t>Thursday, January 2, 2025</a:t>
             </a:fld>
             <a:endParaRPr lang="en-US"/>
           </a:p>
@@ -7088,7 +7088,7 @@
           <a:p>
             <a:fld id="{E50BC9E2-CB44-4C05-9BB5-496C18A241E0}" type="datetime2">
               <a:rPr lang="en-US" smtClean="0"/>
-              <a:t>Tuesday, November 28, 2023</a:t>
+              <a:t>Thursday, January 2, 2025</a:t>
             </a:fld>
             <a:endParaRPr lang="en-US"/>
           </a:p>
@@ -7341,7 +7341,7 @@
           <a:p>
             <a:fld id="{246CB39B-5F4C-4A7E-9BE3-AAFD45576D16}" type="datetime2">
               <a:rPr lang="en-US" smtClean="0"/>
-              <a:t>Tuesday, November 28, 2023</a:t>
+              <a:t>Thursday, January 2, 2025</a:t>
             </a:fld>
             <a:endParaRPr lang="en-US" dirty="0"/>
           </a:p>
@@ -9520,7 +9520,7 @@
           <a:p>
             <a:r>
               <a:rPr lang="en-US" dirty="0"/>
-              <a:t>We identify the top 5 most similar users to the target user using the computed cosine similarity scores.</a:t>
+              <a:t>We identify the top users most similar to the target user using the computed cosine similarity scores.</a:t>
             </a:r>
           </a:p>
           <a:p>
